--- a/201603pitcher/presentation.pptx
+++ b/201603pitcher/presentation.pptx
@@ -22,6 +22,7 @@
     <p:sldId id="267" r:id="rId16"/>
     <p:sldId id="277" r:id="rId17"/>
     <p:sldId id="278" r:id="rId18"/>
+    <p:sldId id="280" r:id="rId19"/>
   </p:sldIdLst>
   <p:sldSz cx="9144000" cy="6858000" type="screen4x3"/>
   <p:notesSz cx="6858000" cy="9144000"/>
@@ -298,7 +299,7 @@
           <a:p>
             <a:fld id="{981F4EE9-1CE5-470E-B80A-6C5C645A123E}" type="datetimeFigureOut">
               <a:rPr kumimoji="1" lang="ja-JP" altLang="en-US" smtClean="0"/>
-              <a:t>2016/3/20</a:t>
+              <a:t>2016/3/21</a:t>
             </a:fld>
             <a:endParaRPr kumimoji="1" lang="ja-JP" altLang="en-US"/>
           </a:p>
@@ -500,7 +501,7 @@
           <a:p>
             <a:fld id="{981F4EE9-1CE5-470E-B80A-6C5C645A123E}" type="datetimeFigureOut">
               <a:rPr kumimoji="1" lang="ja-JP" altLang="en-US" smtClean="0"/>
-              <a:t>2016/3/20</a:t>
+              <a:t>2016/3/21</a:t>
             </a:fld>
             <a:endParaRPr kumimoji="1" lang="ja-JP" altLang="en-US"/>
           </a:p>
@@ -707,7 +708,7 @@
           <a:p>
             <a:fld id="{981F4EE9-1CE5-470E-B80A-6C5C645A123E}" type="datetimeFigureOut">
               <a:rPr kumimoji="1" lang="ja-JP" altLang="en-US" smtClean="0"/>
-              <a:t>2016/3/20</a:t>
+              <a:t>2016/3/21</a:t>
             </a:fld>
             <a:endParaRPr kumimoji="1" lang="ja-JP" altLang="en-US"/>
           </a:p>
@@ -904,7 +905,7 @@
           <a:p>
             <a:fld id="{981F4EE9-1CE5-470E-B80A-6C5C645A123E}" type="datetimeFigureOut">
               <a:rPr kumimoji="1" lang="ja-JP" altLang="en-US" smtClean="0"/>
-              <a:t>2016/3/20</a:t>
+              <a:t>2016/3/21</a:t>
             </a:fld>
             <a:endParaRPr kumimoji="1" lang="ja-JP" altLang="en-US"/>
           </a:p>
@@ -1138,7 +1139,7 @@
           <a:p>
             <a:fld id="{981F4EE9-1CE5-470E-B80A-6C5C645A123E}" type="datetimeFigureOut">
               <a:rPr kumimoji="1" lang="ja-JP" altLang="en-US" smtClean="0"/>
-              <a:t>2016/3/20</a:t>
+              <a:t>2016/3/21</a:t>
             </a:fld>
             <a:endParaRPr kumimoji="1" lang="ja-JP" altLang="en-US"/>
           </a:p>
@@ -1498,7 +1499,7 @@
           <a:p>
             <a:fld id="{981F4EE9-1CE5-470E-B80A-6C5C645A123E}" type="datetimeFigureOut">
               <a:rPr kumimoji="1" lang="ja-JP" altLang="en-US" smtClean="0"/>
-              <a:t>2016/3/20</a:t>
+              <a:t>2016/3/21</a:t>
             </a:fld>
             <a:endParaRPr kumimoji="1" lang="ja-JP" altLang="en-US"/>
           </a:p>
@@ -1946,7 +1947,7 @@
           <a:p>
             <a:fld id="{981F4EE9-1CE5-470E-B80A-6C5C645A123E}" type="datetimeFigureOut">
               <a:rPr kumimoji="1" lang="ja-JP" altLang="en-US" smtClean="0"/>
-              <a:t>2016/3/20</a:t>
+              <a:t>2016/3/21</a:t>
             </a:fld>
             <a:endParaRPr kumimoji="1" lang="ja-JP" altLang="en-US"/>
           </a:p>
@@ -2119,7 +2120,7 @@
           <a:p>
             <a:fld id="{981F4EE9-1CE5-470E-B80A-6C5C645A123E}" type="datetimeFigureOut">
               <a:rPr kumimoji="1" lang="ja-JP" altLang="en-US" smtClean="0"/>
-              <a:t>2016/3/20</a:t>
+              <a:t>2016/3/21</a:t>
             </a:fld>
             <a:endParaRPr kumimoji="1" lang="ja-JP" altLang="en-US"/>
           </a:p>
@@ -2209,7 +2210,7 @@
           <a:p>
             <a:fld id="{981F4EE9-1CE5-470E-B80A-6C5C645A123E}" type="datetimeFigureOut">
               <a:rPr kumimoji="1" lang="ja-JP" altLang="en-US" smtClean="0"/>
-              <a:t>2016/3/20</a:t>
+              <a:t>2016/3/21</a:t>
             </a:fld>
             <a:endParaRPr kumimoji="1" lang="ja-JP" altLang="en-US"/>
           </a:p>
@@ -2536,7 +2537,7 @@
           <a:p>
             <a:fld id="{981F4EE9-1CE5-470E-B80A-6C5C645A123E}" type="datetimeFigureOut">
               <a:rPr kumimoji="1" lang="ja-JP" altLang="en-US" smtClean="0"/>
-              <a:t>2016/3/20</a:t>
+              <a:t>2016/3/21</a:t>
             </a:fld>
             <a:endParaRPr kumimoji="1" lang="ja-JP" altLang="en-US"/>
           </a:p>
@@ -2670,7 +2671,7 @@
           <a:p>
             <a:fld id="{981F4EE9-1CE5-470E-B80A-6C5C645A123E}" type="datetimeFigureOut">
               <a:rPr kumimoji="1" lang="ja-JP" altLang="en-US" smtClean="0"/>
-              <a:t>2016/3/20</a:t>
+              <a:t>2016/3/21</a:t>
             </a:fld>
             <a:endParaRPr kumimoji="1" lang="ja-JP" altLang="en-US"/>
           </a:p>
@@ -3005,7 +3006,7 @@
           <a:p>
             <a:fld id="{981F4EE9-1CE5-470E-B80A-6C5C645A123E}" type="datetimeFigureOut">
               <a:rPr kumimoji="1" lang="ja-JP" altLang="en-US" smtClean="0"/>
-              <a:t>2016/3/20</a:t>
+              <a:t>2016/3/21</a:t>
             </a:fld>
             <a:endParaRPr kumimoji="1" lang="ja-JP" altLang="en-US"/>
           </a:p>
@@ -11413,6 +11414,130 @@
 </p:sld>
 </file>
 
+<file path=ppt/slides/slide18.xml><?xml version="1.0" encoding="utf-8"?>
+<p:sld xmlns:a="http://schemas.openxmlformats.org/drawingml/2006/main" xmlns:r="http://schemas.openxmlformats.org/officeDocument/2006/relationships" xmlns:p="http://schemas.openxmlformats.org/presentationml/2006/main">
+  <p:cSld>
+    <p:spTree>
+      <p:nvGrpSpPr>
+        <p:cNvPr id="1" name=""/>
+        <p:cNvGrpSpPr/>
+        <p:nvPr/>
+      </p:nvGrpSpPr>
+      <p:grpSpPr>
+        <a:xfrm>
+          <a:off x="0" y="0"/>
+          <a:ext cx="0" cy="0"/>
+          <a:chOff x="0" y="0"/>
+          <a:chExt cx="0" cy="0"/>
+        </a:xfrm>
+      </p:grpSpPr>
+      <p:sp>
+        <p:nvSpPr>
+          <p:cNvPr id="2" name="タイトル 1"/>
+          <p:cNvSpPr>
+            <a:spLocks noGrp="1"/>
+          </p:cNvSpPr>
+          <p:nvPr>
+            <p:ph type="title"/>
+          </p:nvPr>
+        </p:nvSpPr>
+        <p:spPr/>
+        <p:txBody>
+          <a:bodyPr>
+            <a:normAutofit/>
+          </a:bodyPr>
+          <a:lstStyle/>
+          <a:p>
+            <a:r>
+              <a:rPr kumimoji="1" lang="ja-JP" altLang="en-US" dirty="0" smtClean="0"/>
+              <a:t>おまけ　（少しだけ</a:t>
+            </a:r>
+            <a:r>
+              <a:rPr kumimoji="1" lang="en-US" altLang="ja-JP" dirty="0" smtClean="0"/>
+              <a:t>IT</a:t>
+            </a:r>
+            <a:r>
+              <a:rPr kumimoji="1" lang="ja-JP" altLang="en-US" dirty="0" err="1" smtClean="0"/>
+              <a:t>っぽい</a:t>
+            </a:r>
+            <a:r>
+              <a:rPr kumimoji="1" lang="ja-JP" altLang="en-US" dirty="0" smtClean="0"/>
+              <a:t>話</a:t>
+            </a:r>
+            <a:r>
+              <a:rPr lang="ja-JP" altLang="en-US" dirty="0"/>
+              <a:t>）</a:t>
+            </a:r>
+            <a:endParaRPr kumimoji="1" lang="ja-JP" altLang="en-US" dirty="0"/>
+          </a:p>
+        </p:txBody>
+      </p:sp>
+      <p:sp>
+        <p:nvSpPr>
+          <p:cNvPr id="3" name="コンテンツ プレースホルダー 2"/>
+          <p:cNvSpPr>
+            <a:spLocks noGrp="1"/>
+          </p:cNvSpPr>
+          <p:nvPr>
+            <p:ph idx="1"/>
+          </p:nvPr>
+        </p:nvSpPr>
+        <p:spPr/>
+        <p:txBody>
+          <a:bodyPr/>
+          <a:lstStyle/>
+          <a:p>
+            <a:r>
+              <a:rPr kumimoji="1" lang="en-US" altLang="ja-JP" dirty="0" err="1" smtClean="0"/>
+              <a:t>Jshell</a:t>
+            </a:r>
+            <a:r>
+              <a:rPr kumimoji="1" lang="ja-JP" altLang="en-US" dirty="0" smtClean="0"/>
+              <a:t>を解析に使ってみた</a:t>
+            </a:r>
+            <a:endParaRPr lang="en-US" altLang="ja-JP" dirty="0"/>
+          </a:p>
+          <a:p>
+            <a:r>
+              <a:rPr kumimoji="1" lang="en-US" altLang="ja-JP" dirty="0" smtClean="0"/>
+              <a:t>Java9</a:t>
+            </a:r>
+            <a:r>
+              <a:rPr kumimoji="1" lang="ja-JP" altLang="en-US" dirty="0" smtClean="0"/>
+              <a:t>から導入される</a:t>
+            </a:r>
+            <a:r>
+              <a:rPr kumimoji="1" lang="en-US" altLang="ja-JP" dirty="0" smtClean="0"/>
+              <a:t>REPL</a:t>
+            </a:r>
+            <a:r>
+              <a:rPr kumimoji="1" lang="ja-JP" altLang="en-US" dirty="0" smtClean="0"/>
+              <a:t>（簡易実行環境）</a:t>
+            </a:r>
+            <a:endParaRPr kumimoji="1" lang="en-US" altLang="ja-JP" dirty="0" smtClean="0"/>
+          </a:p>
+          <a:p>
+            <a:r>
+              <a:rPr lang="en-US" altLang="ja-JP" dirty="0"/>
+              <a:t>https://github.com/taichiw/baseball/blob/master/201603pitcher/makecalendar.java</a:t>
+            </a:r>
+            <a:endParaRPr kumimoji="1" lang="ja-JP" altLang="en-US" dirty="0"/>
+          </a:p>
+        </p:txBody>
+      </p:sp>
+    </p:spTree>
+    <p:extLst>
+      <p:ext uri="{BB962C8B-B14F-4D97-AF65-F5344CB8AC3E}">
+        <p14:creationId xmlns:p14="http://schemas.microsoft.com/office/powerpoint/2010/main" val="3989717789"/>
+      </p:ext>
+    </p:extLst>
+  </p:cSld>
+  <p:clrMapOvr>
+    <a:masterClrMapping/>
+  </p:clrMapOvr>
+</p:sld>
+</file>
+
 <file path=ppt/slides/slide2.xml><?xml version="1.0" encoding="utf-8"?>
 <p:sld xmlns:a="http://schemas.openxmlformats.org/drawingml/2006/main" xmlns:r="http://schemas.openxmlformats.org/officeDocument/2006/relationships" xmlns:p="http://schemas.openxmlformats.org/presentationml/2006/main">
   <p:cSld>
@@ -12295,11 +12420,7 @@
           <a:p>
             <a:r>
               <a:rPr lang="ja-JP" altLang="en-US" sz="3200" dirty="0" smtClean="0"/>
-              <a:t>金＝土 ＞ 火 ＞</a:t>
-            </a:r>
-            <a:r>
-              <a:rPr lang="ja-JP" altLang="en-US" sz="3200" dirty="0" smtClean="0"/>
-              <a:t>日</a:t>
+              <a:t>金＝土 ＞ 火 ＞日</a:t>
             </a:r>
             <a:r>
               <a:rPr lang="ja-JP" altLang="en-US" sz="3200" dirty="0"/>
